--- a/presentation.pptx
+++ b/presentation.pptx
@@ -48209,7 +48209,27 @@
                 <a:effectLst/>
                 <a:latin typeface="-apple-system"/>
               </a:rPr>
-              <a:t>Traditional IDSs fail in the event of previously unseen attacks such as zero-day attacks or anomaly detection. Therefore, the application of  machine learning approach as an engine for attack detection can be used as complementary to the traditional system.</a:t>
+              <a:t>Traditional IDSs fail in the event of previously unseen attacks such as zero-day attacks </a:t>
+            </a:r>
+            <a:r>
+              <a:rPr lang="en-GB" sz="2000" b="0" i="0">
+                <a:solidFill>
+                  <a:srgbClr val="C9D1D9"/>
+                </a:solidFill>
+                <a:effectLst/>
+                <a:latin typeface="-apple-system"/>
+              </a:rPr>
+              <a:t>or anomaly-based intrusion  </a:t>
+            </a:r>
+            <a:r>
+              <a:rPr lang="en-GB" sz="2000" b="0" i="0" dirty="0">
+                <a:solidFill>
+                  <a:srgbClr val="C9D1D9"/>
+                </a:solidFill>
+                <a:effectLst/>
+                <a:latin typeface="-apple-system"/>
+              </a:rPr>
+              <a:t>detection. Therefore, the application of  machine learning approach as an engine for attack detection can be used as complementary to the traditional system.</a:t>
             </a:r>
             <a:endParaRPr lang="en-GB" sz="1800" b="0" dirty="0">
               <a:solidFill>
